--- a/REVIEWS/First_Review/Presentation.pptx
+++ b/REVIEWS/First_Review/Presentation.pptx
@@ -206,7 +206,7 @@
           <a:p>
             <a:fld id="{64C54293-DBDE-4209-BE26-8F026CF66EC8}" type="datetimeFigureOut">
               <a:rPr lang="en-US" smtClean="0"/>
-              <a:t>1/4/2026</a:t>
+              <a:t>1/13/2026</a:t>
             </a:fld>
             <a:endParaRPr lang="en-US"/>
           </a:p>
@@ -1069,7 +1069,7 @@
           <a:p>
             <a:fld id="{54F71884-314F-4698-A6A4-7777078B58E8}" type="datetime1">
               <a:rPr lang="en-US" smtClean="0"/>
-              <a:t>1/4/2026</a:t>
+              <a:t>1/13/2026</a:t>
             </a:fld>
             <a:endParaRPr lang="en-US"/>
           </a:p>
@@ -1242,7 +1242,7 @@
           <a:p>
             <a:fld id="{E8F96E89-195B-405E-B5DE-A56A83CC41D5}" type="datetime1">
               <a:rPr lang="en-US" smtClean="0"/>
-              <a:t>1/4/2026</a:t>
+              <a:t>1/13/2026</a:t>
             </a:fld>
             <a:endParaRPr lang="en-US"/>
           </a:p>
@@ -1425,7 +1425,7 @@
           <a:p>
             <a:fld id="{345F8AA4-430F-465D-8EFA-496146675292}" type="datetime1">
               <a:rPr lang="en-US" smtClean="0"/>
-              <a:t>1/4/2026</a:t>
+              <a:t>1/13/2026</a:t>
             </a:fld>
             <a:endParaRPr lang="en-US"/>
           </a:p>
@@ -1596,7 +1596,7 @@
           <a:p>
             <a:fld id="{62BF1EFC-F108-45D5-BD59-031920F91377}" type="datetime1">
               <a:rPr lang="en-US" smtClean="0"/>
-              <a:t>1/4/2026</a:t>
+              <a:t>1/13/2026</a:t>
             </a:fld>
             <a:endParaRPr lang="en-US"/>
           </a:p>
@@ -1789,7 +1789,7 @@
           <a:p>
             <a:fld id="{E0B46780-4265-44A1-A95F-28216075D37F}" type="datetime1">
               <a:rPr lang="en-US" smtClean="0"/>
-              <a:t>1/4/2026</a:t>
+              <a:t>1/13/2026</a:t>
             </a:fld>
             <a:endParaRPr lang="en-US"/>
           </a:p>
@@ -1962,7 +1962,7 @@
           <a:p>
             <a:fld id="{9DA64599-7A09-4DF4-8185-369618D9B1A1}" type="datetime1">
               <a:rPr lang="en-US" smtClean="0"/>
-              <a:t>1/4/2026</a:t>
+              <a:t>1/13/2026</a:t>
             </a:fld>
             <a:endParaRPr lang="en-US"/>
           </a:p>
@@ -2209,7 +2209,7 @@
           <a:p>
             <a:fld id="{E5103EFF-063C-433A-A95C-D4F8AB218678}" type="datetime1">
               <a:rPr lang="en-US" smtClean="0"/>
-              <a:t>1/4/2026</a:t>
+              <a:t>1/13/2026</a:t>
             </a:fld>
             <a:endParaRPr lang="en-US"/>
           </a:p>
@@ -2444,7 +2444,7 @@
           <a:p>
             <a:fld id="{77EE5110-F2EB-4D5A-AE71-84A50C434545}" type="datetime1">
               <a:rPr lang="en-US" smtClean="0"/>
-              <a:t>1/4/2026</a:t>
+              <a:t>1/13/2026</a:t>
             </a:fld>
             <a:endParaRPr lang="en-US"/>
           </a:p>
@@ -2814,7 +2814,7 @@
           <a:p>
             <a:fld id="{97D73FF5-8934-411C-ABF9-992F9BFBF65C}" type="datetime1">
               <a:rPr lang="en-US" smtClean="0"/>
-              <a:t>1/4/2026</a:t>
+              <a:t>1/13/2026</a:t>
             </a:fld>
             <a:endParaRPr lang="en-US"/>
           </a:p>
@@ -2935,7 +2935,7 @@
           <a:p>
             <a:fld id="{42326E4A-051A-4C87-8C77-776A3CF6C09E}" type="datetime1">
               <a:rPr lang="en-US" smtClean="0"/>
-              <a:t>1/4/2026</a:t>
+              <a:t>1/13/2026</a:t>
             </a:fld>
             <a:endParaRPr lang="en-US"/>
           </a:p>
@@ -3033,7 +3033,7 @@
           <a:p>
             <a:fld id="{DA35DEF9-1AB2-4F69-AC2E-9DE3B64362B0}" type="datetime1">
               <a:rPr lang="en-US" smtClean="0"/>
-              <a:t>1/4/2026</a:t>
+              <a:t>1/13/2026</a:t>
             </a:fld>
             <a:endParaRPr lang="en-US"/>
           </a:p>
@@ -3313,7 +3313,7 @@
           <a:p>
             <a:fld id="{1D8E715F-9F33-4C3A-B197-07294F5A96D9}" type="datetime1">
               <a:rPr lang="en-US" smtClean="0"/>
-              <a:t>1/4/2026</a:t>
+              <a:t>1/13/2026</a:t>
             </a:fld>
             <a:endParaRPr lang="en-US"/>
           </a:p>
@@ -3573,7 +3573,7 @@
           <a:p>
             <a:fld id="{FA769547-9AF0-4E97-955B-3A6CCAC1F207}" type="datetime1">
               <a:rPr lang="en-US" smtClean="0"/>
-              <a:t>1/4/2026</a:t>
+              <a:t>1/13/2026</a:t>
             </a:fld>
             <a:endParaRPr lang="en-US"/>
           </a:p>
@@ -3789,7 +3789,7 @@
           <a:p>
             <a:fld id="{8681EB81-F4DE-4A1C-8131-3CD6CFD7BD60}" type="datetime1">
               <a:rPr lang="en-US" smtClean="0"/>
-              <a:t>1/4/2026</a:t>
+              <a:t>1/13/2026</a:t>
             </a:fld>
             <a:endParaRPr lang="en-US"/>
           </a:p>
@@ -4361,7 +4361,7 @@
           <a:p>
             <a:fld id="{45962345-1060-4827-A918-BAFD9B830371}" type="datetime1">
               <a:rPr lang="en-US" smtClean="0"/>
-              <a:t>1/4/2026</a:t>
+              <a:t>1/13/2026</a:t>
             </a:fld>
             <a:endParaRPr lang="en-US"/>
           </a:p>
@@ -4811,7 +4811,7 @@
                 <a:latin typeface="Arial" panose="020B0604020202020204" pitchFamily="34" charset="0"/>
                 <a:cs typeface="Arial" panose="020B0604020202020204" pitchFamily="34" charset="0"/>
               </a:rPr>
-              <a:t>1/4/2026</a:t>
+              <a:t>1/13/2026</a:t>
             </a:fld>
             <a:endParaRPr lang="en-US">
               <a:latin typeface="Arial" panose="020B0604020202020204" pitchFamily="34" charset="0"/>
@@ -5155,7 +5155,7 @@
                 <a:latin typeface="Arial" panose="020B0604020202020204" pitchFamily="34" charset="0"/>
                 <a:cs typeface="Arial" panose="020B0604020202020204" pitchFamily="34" charset="0"/>
               </a:rPr>
-              <a:t>1/4/2026</a:t>
+              <a:t>1/13/2026</a:t>
             </a:fld>
             <a:endParaRPr lang="en-US">
               <a:latin typeface="Arial" panose="020B0604020202020204" pitchFamily="34" charset="0"/>
@@ -5773,7 +5773,7 @@
                 <a:latin typeface="Arial" panose="020B0604020202020204" pitchFamily="34" charset="0"/>
                 <a:cs typeface="Arial" panose="020B0604020202020204" pitchFamily="34" charset="0"/>
               </a:rPr>
-              <a:t>1/4/2026</a:t>
+              <a:t>1/13/2026</a:t>
             </a:fld>
             <a:endParaRPr lang="en-US">
               <a:latin typeface="Arial" panose="020B0604020202020204" pitchFamily="34" charset="0"/>
@@ -7329,7 +7329,7 @@
                 <a:latin typeface="Arial" panose="020B0604020202020204" pitchFamily="34" charset="0"/>
                 <a:cs typeface="Arial" panose="020B0604020202020204" pitchFamily="34" charset="0"/>
               </a:rPr>
-              <a:t>1/4/2026</a:t>
+              <a:t>1/13/2026</a:t>
             </a:fld>
             <a:endParaRPr lang="en-US">
               <a:latin typeface="Arial" panose="020B0604020202020204" pitchFamily="34" charset="0"/>
@@ -10606,7 +10606,7 @@
                 <a:latin typeface="Arial" panose="020B0604020202020204" pitchFamily="34" charset="0"/>
                 <a:cs typeface="Arial" panose="020B0604020202020204" pitchFamily="34" charset="0"/>
               </a:rPr>
-              <a:t>1/4/2026</a:t>
+              <a:t>1/13/2026</a:t>
             </a:fld>
             <a:endParaRPr lang="en-US">
               <a:latin typeface="Arial" panose="020B0604020202020204" pitchFamily="34" charset="0"/>
@@ -11126,7 +11126,7 @@
               <a:rPr lang="en-US" smtClean="0">
                 <a:latin typeface="Arial Black" panose="020B0A04020102020204" pitchFamily="34" charset="0"/>
               </a:rPr>
-              <a:t>1/4/2026</a:t>
+              <a:t>1/13/2026</a:t>
             </a:fld>
             <a:endParaRPr lang="en-US" dirty="0">
               <a:latin typeface="Arial Black" panose="020B0A04020102020204" pitchFamily="34" charset="0"/>
@@ -11223,7 +11223,7 @@
                 <a:latin typeface="Times New Roman" panose="02020603050405020304" pitchFamily="18" charset="0"/>
                 <a:cs typeface="Times New Roman" panose="02020603050405020304" pitchFamily="18" charset="0"/>
               </a:rPr>
-              <a:t>Components required with Price details </a:t>
+              <a:t>Components procured with Price details </a:t>
             </a:r>
           </a:p>
         </p:txBody>
@@ -11237,14 +11237,14 @@
           <p:nvPr>
             <p:extLst>
               <p:ext uri="{D42A27DB-BD31-4B8C-83A1-F6EECF244321}">
-                <p14:modId xmlns:p14="http://schemas.microsoft.com/office/powerpoint/2010/main" val="2980143470"/>
+                <p14:modId xmlns:p14="http://schemas.microsoft.com/office/powerpoint/2010/main" val="1475855617"/>
               </p:ext>
             </p:extLst>
           </p:nvPr>
         </p:nvGraphicFramePr>
         <p:xfrm>
           <a:off x="453837" y="1610550"/>
-          <a:ext cx="8394330" cy="4658360"/>
+          <a:ext cx="8394330" cy="4536440"/>
         </p:xfrm>
         <a:graphic>
           <a:graphicData uri="http://schemas.openxmlformats.org/drawingml/2006/table">
@@ -11303,12 +11303,12 @@
                     <a:lstStyle/>
                     <a:p>
                       <a:r>
-                        <a:rPr lang="en-US" sz="1600" b="1" dirty="0" err="1">
+                        <a:rPr lang="en-US" sz="1200" b="1" dirty="0" err="1">
                           <a:latin typeface="Palatino Linotype" panose="02040502050505030304" pitchFamily="18" charset="0"/>
                         </a:rPr>
                         <a:t>S.No</a:t>
                       </a:r>
-                      <a:endParaRPr lang="en-US" sz="1600" b="1" dirty="0">
+                      <a:endParaRPr lang="en-US" sz="1200" b="1" dirty="0">
                         <a:latin typeface="Palatino Linotype" panose="02040502050505030304" pitchFamily="18" charset="0"/>
                       </a:endParaRPr>
                     </a:p>
@@ -11321,7 +11321,7 @@
                     <a:lstStyle/>
                     <a:p>
                       <a:r>
-                        <a:rPr lang="en-US" sz="1600" b="1" dirty="0">
+                        <a:rPr lang="en-US" sz="1200" b="1" dirty="0">
                           <a:latin typeface="Palatino Linotype" panose="02040502050505030304" pitchFamily="18" charset="0"/>
                         </a:rPr>
                         <a:t>Component Name</a:t>
@@ -11336,7 +11336,7 @@
                     <a:lstStyle/>
                     <a:p>
                       <a:r>
-                        <a:rPr lang="en-US" sz="1600" b="1" dirty="0">
+                        <a:rPr lang="en-US" sz="1200" b="1" dirty="0">
                           <a:latin typeface="Palatino Linotype" panose="02040502050505030304" pitchFamily="18" charset="0"/>
                         </a:rPr>
                         <a:t>Specification</a:t>
@@ -11351,7 +11351,7 @@
                     <a:lstStyle/>
                     <a:p>
                       <a:r>
-                        <a:rPr lang="en-US" sz="1600" b="1" dirty="0">
+                        <a:rPr lang="en-US" sz="1200" b="1" dirty="0">
                           <a:latin typeface="Palatino Linotype" panose="02040502050505030304" pitchFamily="18" charset="0"/>
                         </a:rPr>
                         <a:t>Price /piece (INR)</a:t>
@@ -11366,18 +11366,18 @@
                     <a:lstStyle/>
                     <a:p>
                       <a:r>
-                        <a:rPr lang="en-US" sz="1600" b="1" dirty="0">
+                        <a:rPr lang="en-US" sz="1200" b="1" dirty="0">
                           <a:latin typeface="Palatino Linotype" panose="02040502050505030304" pitchFamily="18" charset="0"/>
                         </a:rPr>
                         <a:t>Quantity</a:t>
                       </a:r>
                       <a:r>
-                        <a:rPr lang="en-US" sz="1600" b="1" baseline="0" dirty="0">
+                        <a:rPr lang="en-US" sz="1200" b="1" baseline="0" dirty="0">
                           <a:latin typeface="Palatino Linotype" panose="02040502050505030304" pitchFamily="18" charset="0"/>
                         </a:rPr>
                         <a:t> required</a:t>
                       </a:r>
-                      <a:endParaRPr lang="en-US" sz="1600" b="1" dirty="0">
+                      <a:endParaRPr lang="en-US" sz="1200" b="1" dirty="0">
                         <a:latin typeface="Palatino Linotype" panose="02040502050505030304" pitchFamily="18" charset="0"/>
                       </a:endParaRPr>
                     </a:p>
@@ -11390,7 +11390,7 @@
                     <a:lstStyle/>
                     <a:p>
                       <a:r>
-                        <a:rPr lang="en-US" sz="1600" b="1" dirty="0">
+                        <a:rPr lang="en-US" sz="1200" b="1" dirty="0">
                           <a:latin typeface="Palatino Linotype" panose="02040502050505030304" pitchFamily="18" charset="0"/>
                         </a:rPr>
                         <a:t>Total Cost (INR)</a:t>
@@ -11411,7 +11411,64 @@
                     <a:bodyPr/>
                     <a:lstStyle/>
                     <a:p>
-                      <a:endParaRPr lang="en-US" sz="1600">
+                      <a:r>
+                        <a:rPr lang="en-US" sz="1200" dirty="0">
+                          <a:latin typeface="Palatino Linotype" panose="02040502050505030304" pitchFamily="18" charset="0"/>
+                        </a:rPr>
+                        <a:t>1</a:t>
+                      </a:r>
+                    </a:p>
+                  </a:txBody>
+                  <a:tcPr/>
+                </a:tc>
+                <a:tc>
+                  <a:txBody>
+                    <a:bodyPr/>
+                    <a:lstStyle/>
+                    <a:p>
+                      <a:r>
+                        <a:rPr lang="en-US" sz="1200" dirty="0">
+                          <a:latin typeface="Palatino Linotype" panose="02040502050505030304" pitchFamily="18" charset="0"/>
+                        </a:rPr>
+                        <a:t>Tanna </a:t>
+                      </a:r>
+                      <a:r>
+                        <a:rPr lang="en-US" sz="1200" dirty="0" err="1">
+                          <a:latin typeface="Palatino Linotype" panose="02040502050505030304" pitchFamily="18" charset="0"/>
+                        </a:rPr>
+                        <a:t>Techbizz</a:t>
+                      </a:r>
+                      <a:r>
+                        <a:rPr lang="en-US" sz="1200" dirty="0">
+                          <a:latin typeface="Palatino Linotype" panose="02040502050505030304" pitchFamily="18" charset="0"/>
+                        </a:rPr>
+                        <a:t> Eagle 101</a:t>
+                      </a:r>
+                    </a:p>
+                  </a:txBody>
+                  <a:tcPr/>
+                </a:tc>
+                <a:tc>
+                  <a:txBody>
+                    <a:bodyPr/>
+                    <a:lstStyle/>
+                    <a:p>
+                      <a:r>
+                        <a:rPr lang="en-US" sz="1200" dirty="0">
+                          <a:latin typeface="Palatino Linotype" panose="02040502050505030304" pitchFamily="18" charset="0"/>
+                        </a:rPr>
+                        <a:t>4GB</a:t>
+                      </a:r>
+                    </a:p>
+                  </a:txBody>
+                  <a:tcPr/>
+                </a:tc>
+                <a:tc>
+                  <a:txBody>
+                    <a:bodyPr/>
+                    <a:lstStyle/>
+                    <a:p>
+                      <a:endParaRPr lang="en-US" sz="1200" dirty="0">
                         <a:latin typeface="Palatino Linotype" panose="02040502050505030304" pitchFamily="18" charset="0"/>
                       </a:endParaRPr>
                     </a:p>
@@ -11423,9 +11480,12 @@
                     <a:bodyPr/>
                     <a:lstStyle/>
                     <a:p>
-                      <a:endParaRPr lang="en-US" sz="1600" dirty="0">
-                        <a:latin typeface="Palatino Linotype" panose="02040502050505030304" pitchFamily="18" charset="0"/>
-                      </a:endParaRPr>
+                      <a:r>
+                        <a:rPr lang="en-US" sz="1200" dirty="0">
+                          <a:latin typeface="Palatino Linotype" panose="02040502050505030304" pitchFamily="18" charset="0"/>
+                        </a:rPr>
+                        <a:t>1</a:t>
+                      </a:r>
                     </a:p>
                   </a:txBody>
                   <a:tcPr/>
@@ -11435,43 +11495,7 @@
                     <a:bodyPr/>
                     <a:lstStyle/>
                     <a:p>
-                      <a:endParaRPr lang="en-US" sz="1600" dirty="0">
-                        <a:latin typeface="Palatino Linotype" panose="02040502050505030304" pitchFamily="18" charset="0"/>
-                      </a:endParaRPr>
-                    </a:p>
-                  </a:txBody>
-                  <a:tcPr/>
-                </a:tc>
-                <a:tc>
-                  <a:txBody>
-                    <a:bodyPr/>
-                    <a:lstStyle/>
-                    <a:p>
-                      <a:endParaRPr lang="en-US" sz="1600" dirty="0">
-                        <a:latin typeface="Palatino Linotype" panose="02040502050505030304" pitchFamily="18" charset="0"/>
-                      </a:endParaRPr>
-                    </a:p>
-                  </a:txBody>
-                  <a:tcPr/>
-                </a:tc>
-                <a:tc>
-                  <a:txBody>
-                    <a:bodyPr/>
-                    <a:lstStyle/>
-                    <a:p>
-                      <a:endParaRPr lang="en-US" sz="1600" dirty="0">
-                        <a:latin typeface="Palatino Linotype" panose="02040502050505030304" pitchFamily="18" charset="0"/>
-                      </a:endParaRPr>
-                    </a:p>
-                  </a:txBody>
-                  <a:tcPr/>
-                </a:tc>
-                <a:tc>
-                  <a:txBody>
-                    <a:bodyPr/>
-                    <a:lstStyle/>
-                    <a:p>
-                      <a:endParaRPr lang="en-US" sz="1600">
+                      <a:endParaRPr lang="en-US" sz="1200" dirty="0">
                         <a:latin typeface="Palatino Linotype" panose="02040502050505030304" pitchFamily="18" charset="0"/>
                       </a:endParaRPr>
                     </a:p>
@@ -11490,7 +11514,52 @@
                     <a:bodyPr/>
                     <a:lstStyle/>
                     <a:p>
-                      <a:endParaRPr lang="en-US" sz="1600">
+                      <a:r>
+                        <a:rPr lang="en-US" sz="1200" dirty="0">
+                          <a:latin typeface="Palatino Linotype" panose="02040502050505030304" pitchFamily="18" charset="0"/>
+                        </a:rPr>
+                        <a:t>2</a:t>
+                      </a:r>
+                    </a:p>
+                  </a:txBody>
+                  <a:tcPr/>
+                </a:tc>
+                <a:tc>
+                  <a:txBody>
+                    <a:bodyPr/>
+                    <a:lstStyle/>
+                    <a:p>
+                      <a:r>
+                        <a:rPr lang="en-US" sz="1200" dirty="0">
+                          <a:latin typeface="Palatino Linotype" panose="02040502050505030304" pitchFamily="18" charset="0"/>
+                        </a:rPr>
+                        <a:t>Ultrasonic Sensor</a:t>
+                      </a:r>
+                    </a:p>
+                  </a:txBody>
+                  <a:tcPr/>
+                </a:tc>
+                <a:tc>
+                  <a:txBody>
+                    <a:bodyPr/>
+                    <a:lstStyle/>
+                    <a:p>
+                      <a:r>
+                        <a:rPr lang="en-US" sz="1200" dirty="0">
+                          <a:latin typeface="Palatino Linotype" panose="02040502050505030304" pitchFamily="18" charset="0"/>
+                        </a:rPr>
+                        <a:t>HC-SR04</a:t>
+                      </a:r>
+                    </a:p>
+                  </a:txBody>
+                  <a:tcPr/>
+                </a:tc>
+                <a:tc>
+                  <a:txBody>
+                    <a:bodyPr/>
+                    <a:lstStyle/>
+                    <a:p>
+                      <a:endParaRPr lang="en-US" sz="1200" dirty="0">
                         <a:latin typeface="Palatino Linotype" panose="02040502050505030304" pitchFamily="18" charset="0"/>
                       </a:endParaRPr>
                     </a:p>
@@ -11502,9 +11571,12 @@
                     <a:bodyPr/>
                     <a:lstStyle/>
                     <a:p>
-                      <a:endParaRPr lang="en-US" sz="1600">
-                        <a:latin typeface="Palatino Linotype" panose="02040502050505030304" pitchFamily="18" charset="0"/>
-                      </a:endParaRPr>
+                      <a:r>
+                        <a:rPr lang="en-US" sz="1200" dirty="0">
+                          <a:latin typeface="Palatino Linotype" panose="02040502050505030304" pitchFamily="18" charset="0"/>
+                        </a:rPr>
+                        <a:t>2</a:t>
+                      </a:r>
                     </a:p>
                   </a:txBody>
                   <a:tcPr/>
@@ -11514,43 +11586,7 @@
                     <a:bodyPr/>
                     <a:lstStyle/>
                     <a:p>
-                      <a:endParaRPr lang="en-US" sz="1600" dirty="0">
-                        <a:latin typeface="Palatino Linotype" panose="02040502050505030304" pitchFamily="18" charset="0"/>
-                      </a:endParaRPr>
-                    </a:p>
-                  </a:txBody>
-                  <a:tcPr/>
-                </a:tc>
-                <a:tc>
-                  <a:txBody>
-                    <a:bodyPr/>
-                    <a:lstStyle/>
-                    <a:p>
-                      <a:endParaRPr lang="en-US" sz="1600" dirty="0">
-                        <a:latin typeface="Palatino Linotype" panose="02040502050505030304" pitchFamily="18" charset="0"/>
-                      </a:endParaRPr>
-                    </a:p>
-                  </a:txBody>
-                  <a:tcPr/>
-                </a:tc>
-                <a:tc>
-                  <a:txBody>
-                    <a:bodyPr/>
-                    <a:lstStyle/>
-                    <a:p>
-                      <a:endParaRPr lang="en-US" sz="1600" dirty="0">
-                        <a:latin typeface="Palatino Linotype" panose="02040502050505030304" pitchFamily="18" charset="0"/>
-                      </a:endParaRPr>
-                    </a:p>
-                  </a:txBody>
-                  <a:tcPr/>
-                </a:tc>
-                <a:tc>
-                  <a:txBody>
-                    <a:bodyPr/>
-                    <a:lstStyle/>
-                    <a:p>
-                      <a:endParaRPr lang="en-US" sz="1600" dirty="0">
+                      <a:endParaRPr lang="en-US" sz="1200" dirty="0">
                         <a:latin typeface="Palatino Linotype" panose="02040502050505030304" pitchFamily="18" charset="0"/>
                       </a:endParaRPr>
                     </a:p>
@@ -11569,7 +11605,58 @@
                     <a:bodyPr/>
                     <a:lstStyle/>
                     <a:p>
-                      <a:endParaRPr lang="en-US" sz="1600">
+                      <a:r>
+                        <a:rPr lang="en-US" sz="1200" dirty="0">
+                          <a:latin typeface="Palatino Linotype" panose="02040502050505030304" pitchFamily="18" charset="0"/>
+                        </a:rPr>
+                        <a:t>3</a:t>
+                      </a:r>
+                    </a:p>
+                  </a:txBody>
+                  <a:tcPr/>
+                </a:tc>
+                <a:tc>
+                  <a:txBody>
+                    <a:bodyPr/>
+                    <a:lstStyle/>
+                    <a:p>
+                      <a:r>
+                        <a:rPr lang="en-US" sz="1200" dirty="0">
+                          <a:latin typeface="Palatino Linotype" panose="02040502050505030304" pitchFamily="18" charset="0"/>
+                        </a:rPr>
+                        <a:t>Single-Point 2d LIDAR</a:t>
+                      </a:r>
+                    </a:p>
+                  </a:txBody>
+                  <a:tcPr/>
+                </a:tc>
+                <a:tc>
+                  <a:txBody>
+                    <a:bodyPr/>
+                    <a:lstStyle/>
+                    <a:p>
+                      <a:r>
+                        <a:rPr lang="en-US" sz="1200" dirty="0" err="1">
+                          <a:latin typeface="Palatino Linotype" panose="02040502050505030304" pitchFamily="18" charset="0"/>
+                        </a:rPr>
+                        <a:t>Tfmini</a:t>
+                      </a:r>
+                      <a:r>
+                        <a:rPr lang="en-US" sz="1200" dirty="0">
+                          <a:latin typeface="Palatino Linotype" panose="02040502050505030304" pitchFamily="18" charset="0"/>
+                        </a:rPr>
+                        <a:t>-Plus</a:t>
+                      </a:r>
+                    </a:p>
+                  </a:txBody>
+                  <a:tcPr/>
+                </a:tc>
+                <a:tc>
+                  <a:txBody>
+                    <a:bodyPr/>
+                    <a:lstStyle/>
+                    <a:p>
+                      <a:endParaRPr lang="en-US" sz="1200" dirty="0">
                         <a:latin typeface="Palatino Linotype" panose="02040502050505030304" pitchFamily="18" charset="0"/>
                       </a:endParaRPr>
                     </a:p>
@@ -11581,9 +11668,12 @@
                     <a:bodyPr/>
                     <a:lstStyle/>
                     <a:p>
-                      <a:endParaRPr lang="en-US" sz="1600">
-                        <a:latin typeface="Palatino Linotype" panose="02040502050505030304" pitchFamily="18" charset="0"/>
-                      </a:endParaRPr>
+                      <a:r>
+                        <a:rPr lang="en-US" sz="1200" dirty="0">
+                          <a:latin typeface="Palatino Linotype" panose="02040502050505030304" pitchFamily="18" charset="0"/>
+                        </a:rPr>
+                        <a:t>1</a:t>
+                      </a:r>
                     </a:p>
                   </a:txBody>
                   <a:tcPr/>
@@ -11593,43 +11683,7 @@
                     <a:bodyPr/>
                     <a:lstStyle/>
                     <a:p>
-                      <a:endParaRPr lang="en-US" sz="1600" dirty="0">
-                        <a:latin typeface="Palatino Linotype" panose="02040502050505030304" pitchFamily="18" charset="0"/>
-                      </a:endParaRPr>
-                    </a:p>
-                  </a:txBody>
-                  <a:tcPr/>
-                </a:tc>
-                <a:tc>
-                  <a:txBody>
-                    <a:bodyPr/>
-                    <a:lstStyle/>
-                    <a:p>
-                      <a:endParaRPr lang="en-US" sz="1600">
-                        <a:latin typeface="Palatino Linotype" panose="02040502050505030304" pitchFamily="18" charset="0"/>
-                      </a:endParaRPr>
-                    </a:p>
-                  </a:txBody>
-                  <a:tcPr/>
-                </a:tc>
-                <a:tc>
-                  <a:txBody>
-                    <a:bodyPr/>
-                    <a:lstStyle/>
-                    <a:p>
-                      <a:endParaRPr lang="en-US" sz="1600">
-                        <a:latin typeface="Palatino Linotype" panose="02040502050505030304" pitchFamily="18" charset="0"/>
-                      </a:endParaRPr>
-                    </a:p>
-                  </a:txBody>
-                  <a:tcPr/>
-                </a:tc>
-                <a:tc>
-                  <a:txBody>
-                    <a:bodyPr/>
-                    <a:lstStyle/>
-                    <a:p>
-                      <a:endParaRPr lang="en-US" sz="1600">
+                      <a:endParaRPr lang="en-US" sz="1200">
                         <a:latin typeface="Palatino Linotype" panose="02040502050505030304" pitchFamily="18" charset="0"/>
                       </a:endParaRPr>
                     </a:p>
@@ -11648,9 +11702,12 @@
                     <a:bodyPr/>
                     <a:lstStyle/>
                     <a:p>
-                      <a:endParaRPr lang="en-US" sz="1600">
-                        <a:latin typeface="Palatino Linotype" panose="02040502050505030304" pitchFamily="18" charset="0"/>
-                      </a:endParaRPr>
+                      <a:r>
+                        <a:rPr lang="en-US" sz="1200" dirty="0">
+                          <a:latin typeface="Palatino Linotype" panose="02040502050505030304" pitchFamily="18" charset="0"/>
+                        </a:rPr>
+                        <a:t>4</a:t>
+                      </a:r>
                     </a:p>
                   </a:txBody>
                   <a:tcPr/>
@@ -11660,9 +11717,18 @@
                     <a:bodyPr/>
                     <a:lstStyle/>
                     <a:p>
-                      <a:endParaRPr lang="en-US" sz="1600" dirty="0">
-                        <a:latin typeface="Palatino Linotype" panose="02040502050505030304" pitchFamily="18" charset="0"/>
-                      </a:endParaRPr>
+                      <a:r>
+                        <a:rPr lang="en-US" sz="1200" dirty="0" err="1">
+                          <a:latin typeface="Palatino Linotype" panose="02040502050505030304" pitchFamily="18" charset="0"/>
+                        </a:rPr>
+                        <a:t>LiPO</a:t>
+                      </a:r>
+                      <a:r>
+                        <a:rPr lang="en-US" sz="1200" dirty="0">
+                          <a:latin typeface="Palatino Linotype" panose="02040502050505030304" pitchFamily="18" charset="0"/>
+                        </a:rPr>
+                        <a:t> Battery</a:t>
+                      </a:r>
                     </a:p>
                   </a:txBody>
                   <a:tcPr/>
@@ -11672,9 +11738,12 @@
                     <a:bodyPr/>
                     <a:lstStyle/>
                     <a:p>
-                      <a:endParaRPr lang="en-US" sz="1600" dirty="0">
-                        <a:latin typeface="Palatino Linotype" panose="02040502050505030304" pitchFamily="18" charset="0"/>
-                      </a:endParaRPr>
+                      <a:r>
+                        <a:rPr lang="en-US" sz="1200" dirty="0">
+                          <a:latin typeface="Palatino Linotype" panose="02040502050505030304" pitchFamily="18" charset="0"/>
+                        </a:rPr>
+                        <a:t>10000mah</a:t>
+                      </a:r>
                     </a:p>
                   </a:txBody>
                   <a:tcPr/>
@@ -11684,9 +11753,12 @@
                     <a:bodyPr/>
                     <a:lstStyle/>
                     <a:p>
-                      <a:endParaRPr lang="en-US" sz="1600" dirty="0">
-                        <a:latin typeface="Palatino Linotype" panose="02040502050505030304" pitchFamily="18" charset="0"/>
-                      </a:endParaRPr>
+                      <a:r>
+                        <a:rPr lang="en-US" sz="1200" dirty="0">
+                          <a:latin typeface="Palatino Linotype" panose="02040502050505030304" pitchFamily="18" charset="0"/>
+                        </a:rPr>
+                        <a:t>5,115.30</a:t>
+                      </a:r>
                     </a:p>
                   </a:txBody>
                   <a:tcPr/>
@@ -11696,9 +11768,12 @@
                     <a:bodyPr/>
                     <a:lstStyle/>
                     <a:p>
-                      <a:endParaRPr lang="en-US" sz="1600" dirty="0">
-                        <a:latin typeface="Palatino Linotype" panose="02040502050505030304" pitchFamily="18" charset="0"/>
-                      </a:endParaRPr>
+                      <a:r>
+                        <a:rPr lang="en-US" sz="1200" dirty="0">
+                          <a:latin typeface="Palatino Linotype" panose="02040502050505030304" pitchFamily="18" charset="0"/>
+                        </a:rPr>
+                        <a:t>1</a:t>
+                      </a:r>
                     </a:p>
                   </a:txBody>
                   <a:tcPr/>
@@ -11708,7 +11783,7 @@
                     <a:bodyPr/>
                     <a:lstStyle/>
                     <a:p>
-                      <a:endParaRPr lang="en-US" sz="1600" dirty="0">
+                      <a:endParaRPr lang="en-US" sz="1200" dirty="0">
                         <a:latin typeface="Palatino Linotype" panose="02040502050505030304" pitchFamily="18" charset="0"/>
                       </a:endParaRPr>
                     </a:p>
@@ -11727,7 +11802,37 @@
                     <a:bodyPr/>
                     <a:lstStyle/>
                     <a:p>
-                      <a:endParaRPr lang="en-US" sz="1600" dirty="0">
+                      <a:r>
+                        <a:rPr lang="en-US" sz="1200" dirty="0">
+                          <a:latin typeface="Palatino Linotype" panose="02040502050505030304" pitchFamily="18" charset="0"/>
+                        </a:rPr>
+                        <a:t>5</a:t>
+                      </a:r>
+                    </a:p>
+                  </a:txBody>
+                  <a:tcPr/>
+                </a:tc>
+                <a:tc>
+                  <a:txBody>
+                    <a:bodyPr/>
+                    <a:lstStyle/>
+                    <a:p>
+                      <a:r>
+                        <a:rPr lang="en-US" sz="1200" dirty="0">
+                          <a:latin typeface="Palatino Linotype" panose="02040502050505030304" pitchFamily="18" charset="0"/>
+                        </a:rPr>
+                        <a:t>Zed Mini</a:t>
+                      </a:r>
+                    </a:p>
+                  </a:txBody>
+                  <a:tcPr/>
+                </a:tc>
+                <a:tc>
+                  <a:txBody>
+                    <a:bodyPr/>
+                    <a:lstStyle/>
+                    <a:p>
+                      <a:endParaRPr lang="en-US" sz="1200" dirty="0">
                         <a:latin typeface="Palatino Linotype" panose="02040502050505030304" pitchFamily="18" charset="0"/>
                       </a:endParaRPr>
                     </a:p>
@@ -11739,7 +11844,7 @@
                     <a:bodyPr/>
                     <a:lstStyle/>
                     <a:p>
-                      <a:endParaRPr lang="en-US" sz="1600" dirty="0">
+                      <a:endParaRPr lang="en-US" sz="1200" dirty="0">
                         <a:latin typeface="Palatino Linotype" panose="02040502050505030304" pitchFamily="18" charset="0"/>
                       </a:endParaRPr>
                     </a:p>
@@ -11751,9 +11856,12 @@
                     <a:bodyPr/>
                     <a:lstStyle/>
                     <a:p>
-                      <a:endParaRPr lang="en-US" sz="1600" dirty="0">
-                        <a:latin typeface="Palatino Linotype" panose="02040502050505030304" pitchFamily="18" charset="0"/>
-                      </a:endParaRPr>
+                      <a:r>
+                        <a:rPr lang="en-US" sz="1200" dirty="0">
+                          <a:latin typeface="Palatino Linotype" panose="02040502050505030304" pitchFamily="18" charset="0"/>
+                        </a:rPr>
+                        <a:t>1</a:t>
+                      </a:r>
                     </a:p>
                   </a:txBody>
                   <a:tcPr/>
@@ -11763,31 +11871,7 @@
                     <a:bodyPr/>
                     <a:lstStyle/>
                     <a:p>
-                      <a:endParaRPr lang="en-US" sz="1600" dirty="0">
-                        <a:latin typeface="Palatino Linotype" panose="02040502050505030304" pitchFamily="18" charset="0"/>
-                      </a:endParaRPr>
-                    </a:p>
-                  </a:txBody>
-                  <a:tcPr/>
-                </a:tc>
-                <a:tc>
-                  <a:txBody>
-                    <a:bodyPr/>
-                    <a:lstStyle/>
-                    <a:p>
-                      <a:endParaRPr lang="en-US" sz="1600" dirty="0">
-                        <a:latin typeface="Palatino Linotype" panose="02040502050505030304" pitchFamily="18" charset="0"/>
-                      </a:endParaRPr>
-                    </a:p>
-                  </a:txBody>
-                  <a:tcPr/>
-                </a:tc>
-                <a:tc>
-                  <a:txBody>
-                    <a:bodyPr/>
-                    <a:lstStyle/>
-                    <a:p>
-                      <a:endParaRPr lang="en-US" sz="1600" dirty="0">
+                      <a:endParaRPr lang="en-US" sz="1200" dirty="0">
                         <a:latin typeface="Palatino Linotype" panose="02040502050505030304" pitchFamily="18" charset="0"/>
                       </a:endParaRPr>
                     </a:p>
@@ -11806,7 +11890,37 @@
                     <a:bodyPr/>
                     <a:lstStyle/>
                     <a:p>
-                      <a:endParaRPr lang="en-US" sz="1600" dirty="0">
+                      <a:r>
+                        <a:rPr lang="en-US" sz="1200" dirty="0">
+                          <a:latin typeface="Palatino Linotype" panose="02040502050505030304" pitchFamily="18" charset="0"/>
+                        </a:rPr>
+                        <a:t>6</a:t>
+                      </a:r>
+                    </a:p>
+                  </a:txBody>
+                  <a:tcPr/>
+                </a:tc>
+                <a:tc>
+                  <a:txBody>
+                    <a:bodyPr/>
+                    <a:lstStyle/>
+                    <a:p>
+                      <a:r>
+                        <a:rPr lang="en-US" sz="1200" dirty="0">
+                          <a:latin typeface="Palatino Linotype" panose="02040502050505030304" pitchFamily="18" charset="0"/>
+                        </a:rPr>
+                        <a:t>DC to AC Inverter</a:t>
+                      </a:r>
+                    </a:p>
+                  </a:txBody>
+                  <a:tcPr/>
+                </a:tc>
+                <a:tc>
+                  <a:txBody>
+                    <a:bodyPr/>
+                    <a:lstStyle/>
+                    <a:p>
+                      <a:endParaRPr lang="en-US" sz="1200" dirty="0">
                         <a:latin typeface="Palatino Linotype" panose="02040502050505030304" pitchFamily="18" charset="0"/>
                       </a:endParaRPr>
                     </a:p>
@@ -11818,7 +11932,7 @@
                     <a:bodyPr/>
                     <a:lstStyle/>
                     <a:p>
-                      <a:endParaRPr lang="en-US" sz="1600" dirty="0">
+                      <a:endParaRPr lang="en-US" sz="1200" dirty="0">
                         <a:latin typeface="Palatino Linotype" panose="02040502050505030304" pitchFamily="18" charset="0"/>
                       </a:endParaRPr>
                     </a:p>
@@ -11830,9 +11944,12 @@
                     <a:bodyPr/>
                     <a:lstStyle/>
                     <a:p>
-                      <a:endParaRPr lang="en-US" sz="1600" dirty="0">
-                        <a:latin typeface="Palatino Linotype" panose="02040502050505030304" pitchFamily="18" charset="0"/>
-                      </a:endParaRPr>
+                      <a:r>
+                        <a:rPr lang="en-US" sz="1200" dirty="0">
+                          <a:latin typeface="Palatino Linotype" panose="02040502050505030304" pitchFamily="18" charset="0"/>
+                        </a:rPr>
+                        <a:t>1</a:t>
+                      </a:r>
                     </a:p>
                   </a:txBody>
                   <a:tcPr/>
@@ -11842,31 +11959,7 @@
                     <a:bodyPr/>
                     <a:lstStyle/>
                     <a:p>
-                      <a:endParaRPr lang="en-US" sz="1600" dirty="0">
-                        <a:latin typeface="Palatino Linotype" panose="02040502050505030304" pitchFamily="18" charset="0"/>
-                      </a:endParaRPr>
-                    </a:p>
-                  </a:txBody>
-                  <a:tcPr/>
-                </a:tc>
-                <a:tc>
-                  <a:txBody>
-                    <a:bodyPr/>
-                    <a:lstStyle/>
-                    <a:p>
-                      <a:endParaRPr lang="en-US" sz="1600" dirty="0">
-                        <a:latin typeface="Palatino Linotype" panose="02040502050505030304" pitchFamily="18" charset="0"/>
-                      </a:endParaRPr>
-                    </a:p>
-                  </a:txBody>
-                  <a:tcPr/>
-                </a:tc>
-                <a:tc>
-                  <a:txBody>
-                    <a:bodyPr/>
-                    <a:lstStyle/>
-                    <a:p>
-                      <a:endParaRPr lang="en-US" sz="1600" dirty="0">
+                      <a:endParaRPr lang="en-US" sz="1200" dirty="0">
                         <a:latin typeface="Palatino Linotype" panose="02040502050505030304" pitchFamily="18" charset="0"/>
                       </a:endParaRPr>
                     </a:p>
@@ -11885,7 +11978,28 @@
                     <a:bodyPr/>
                     <a:lstStyle/>
                     <a:p>
-                      <a:endParaRPr lang="en-US" sz="1600" dirty="0">
+                      <a:r>
+                        <a:rPr lang="en-US" sz="1200" dirty="0">
+                          <a:latin typeface="Palatino Linotype" panose="02040502050505030304" pitchFamily="18" charset="0"/>
+                        </a:rPr>
+                        <a:t>7</a:t>
+                      </a:r>
+                    </a:p>
+                  </a:txBody>
+                  <a:tcPr/>
+                </a:tc>
+                <a:tc>
+                  <a:txBody>
+                    <a:bodyPr/>
+                    <a:lstStyle/>
+                    <a:p>
+                      <a:r>
+                        <a:rPr lang="en-US" sz="1200" dirty="0" err="1">
+                          <a:latin typeface="Palatino Linotype" panose="02040502050505030304" pitchFamily="18" charset="0"/>
+                        </a:rPr>
+                        <a:t>Optoisolator</a:t>
+                      </a:r>
+                      <a:endParaRPr lang="en-US" sz="1200" dirty="0">
                         <a:latin typeface="Palatino Linotype" panose="02040502050505030304" pitchFamily="18" charset="0"/>
                       </a:endParaRPr>
                     </a:p>
@@ -11897,9 +12011,12 @@
                     <a:bodyPr/>
                     <a:lstStyle/>
                     <a:p>
-                      <a:endParaRPr lang="en-US" sz="1600" dirty="0">
-                        <a:latin typeface="Palatino Linotype" panose="02040502050505030304" pitchFamily="18" charset="0"/>
-                      </a:endParaRPr>
+                      <a:r>
+                        <a:rPr lang="en-US" sz="1200" dirty="0">
+                          <a:latin typeface="Palatino Linotype" panose="02040502050505030304" pitchFamily="18" charset="0"/>
+                        </a:rPr>
+                        <a:t>5V – 4 Channel</a:t>
+                      </a:r>
                     </a:p>
                   </a:txBody>
                   <a:tcPr/>
@@ -11909,9 +12026,12 @@
                     <a:bodyPr/>
                     <a:lstStyle/>
                     <a:p>
-                      <a:endParaRPr lang="en-US" sz="1600" dirty="0">
-                        <a:latin typeface="Palatino Linotype" panose="02040502050505030304" pitchFamily="18" charset="0"/>
-                      </a:endParaRPr>
+                      <a:r>
+                        <a:rPr lang="en-US" sz="1200" dirty="0">
+                          <a:latin typeface="Palatino Linotype" panose="02040502050505030304" pitchFamily="18" charset="0"/>
+                        </a:rPr>
+                        <a:t>67.7</a:t>
+                      </a:r>
                     </a:p>
                   </a:txBody>
                   <a:tcPr/>
@@ -11921,9 +12041,12 @@
                     <a:bodyPr/>
                     <a:lstStyle/>
                     <a:p>
-                      <a:endParaRPr lang="en-US" sz="1600" dirty="0">
-                        <a:latin typeface="Palatino Linotype" panose="02040502050505030304" pitchFamily="18" charset="0"/>
-                      </a:endParaRPr>
+                      <a:r>
+                        <a:rPr lang="en-US" sz="1200" dirty="0">
+                          <a:latin typeface="Palatino Linotype" panose="02040502050505030304" pitchFamily="18" charset="0"/>
+                        </a:rPr>
+                        <a:t>3</a:t>
+                      </a:r>
                     </a:p>
                   </a:txBody>
                   <a:tcPr/>
@@ -11933,19 +12056,7 @@
                     <a:bodyPr/>
                     <a:lstStyle/>
                     <a:p>
-                      <a:endParaRPr lang="en-US" sz="1600" dirty="0">
-                        <a:latin typeface="Palatino Linotype" panose="02040502050505030304" pitchFamily="18" charset="0"/>
-                      </a:endParaRPr>
-                    </a:p>
-                  </a:txBody>
-                  <a:tcPr/>
-                </a:tc>
-                <a:tc>
-                  <a:txBody>
-                    <a:bodyPr/>
-                    <a:lstStyle/>
-                    <a:p>
-                      <a:endParaRPr lang="en-US" sz="1600" dirty="0">
+                      <a:endParaRPr lang="en-US" sz="1200" dirty="0">
                         <a:latin typeface="Palatino Linotype" panose="02040502050505030304" pitchFamily="18" charset="0"/>
                       </a:endParaRPr>
                     </a:p>
@@ -11964,7 +12075,52 @@
                     <a:bodyPr/>
                     <a:lstStyle/>
                     <a:p>
-                      <a:endParaRPr lang="en-US" sz="1600" dirty="0">
+                      <a:r>
+                        <a:rPr lang="en-US" sz="1200" dirty="0">
+                          <a:latin typeface="Palatino Linotype" panose="02040502050505030304" pitchFamily="18" charset="0"/>
+                        </a:rPr>
+                        <a:t>8</a:t>
+                      </a:r>
+                    </a:p>
+                  </a:txBody>
+                  <a:tcPr/>
+                </a:tc>
+                <a:tc>
+                  <a:txBody>
+                    <a:bodyPr/>
+                    <a:lstStyle/>
+                    <a:p>
+                      <a:r>
+                        <a:rPr lang="en-US" sz="1200" dirty="0">
+                          <a:latin typeface="Palatino Linotype" panose="02040502050505030304" pitchFamily="18" charset="0"/>
+                        </a:rPr>
+                        <a:t>Logic Level Shifter</a:t>
+                      </a:r>
+                    </a:p>
+                  </a:txBody>
+                  <a:tcPr/>
+                </a:tc>
+                <a:tc>
+                  <a:txBody>
+                    <a:bodyPr/>
+                    <a:lstStyle/>
+                    <a:p>
+                      <a:r>
+                        <a:rPr lang="en-US" sz="1200" dirty="0">
+                          <a:latin typeface="Palatino Linotype" panose="02040502050505030304" pitchFamily="18" charset="0"/>
+                        </a:rPr>
+                        <a:t> 8 Channel</a:t>
+                      </a:r>
+                    </a:p>
+                  </a:txBody>
+                  <a:tcPr/>
+                </a:tc>
+                <a:tc>
+                  <a:txBody>
+                    <a:bodyPr/>
+                    <a:lstStyle/>
+                    <a:p>
+                      <a:endParaRPr lang="en-US" sz="1200" dirty="0">
                         <a:latin typeface="Palatino Linotype" panose="02040502050505030304" pitchFamily="18" charset="0"/>
                       </a:endParaRPr>
                     </a:p>
@@ -11976,9 +12132,12 @@
                     <a:bodyPr/>
                     <a:lstStyle/>
                     <a:p>
-                      <a:endParaRPr lang="en-US" sz="1600" dirty="0">
-                        <a:latin typeface="Palatino Linotype" panose="02040502050505030304" pitchFamily="18" charset="0"/>
-                      </a:endParaRPr>
+                      <a:r>
+                        <a:rPr lang="en-US" sz="1200" dirty="0">
+                          <a:latin typeface="Palatino Linotype" panose="02040502050505030304" pitchFamily="18" charset="0"/>
+                        </a:rPr>
+                        <a:t>2</a:t>
+                      </a:r>
                     </a:p>
                   </a:txBody>
                   <a:tcPr/>
@@ -11988,43 +12147,7 @@
                     <a:bodyPr/>
                     <a:lstStyle/>
                     <a:p>
-                      <a:endParaRPr lang="en-US" sz="1600" dirty="0">
-                        <a:latin typeface="Palatino Linotype" panose="02040502050505030304" pitchFamily="18" charset="0"/>
-                      </a:endParaRPr>
-                    </a:p>
-                  </a:txBody>
-                  <a:tcPr/>
-                </a:tc>
-                <a:tc>
-                  <a:txBody>
-                    <a:bodyPr/>
-                    <a:lstStyle/>
-                    <a:p>
-                      <a:endParaRPr lang="en-US" sz="1600" dirty="0">
-                        <a:latin typeface="Palatino Linotype" panose="02040502050505030304" pitchFamily="18" charset="0"/>
-                      </a:endParaRPr>
-                    </a:p>
-                  </a:txBody>
-                  <a:tcPr/>
-                </a:tc>
-                <a:tc>
-                  <a:txBody>
-                    <a:bodyPr/>
-                    <a:lstStyle/>
-                    <a:p>
-                      <a:endParaRPr lang="en-US" sz="1600" dirty="0">
-                        <a:latin typeface="Palatino Linotype" panose="02040502050505030304" pitchFamily="18" charset="0"/>
-                      </a:endParaRPr>
-                    </a:p>
-                  </a:txBody>
-                  <a:tcPr/>
-                </a:tc>
-                <a:tc>
-                  <a:txBody>
-                    <a:bodyPr/>
-                    <a:lstStyle/>
-                    <a:p>
-                      <a:endParaRPr lang="en-US" sz="1600" dirty="0">
+                      <a:endParaRPr lang="en-US" sz="1200" dirty="0">
                         <a:latin typeface="Palatino Linotype" panose="02040502050505030304" pitchFamily="18" charset="0"/>
                       </a:endParaRPr>
                     </a:p>
@@ -12043,7 +12166,37 @@
                     <a:bodyPr/>
                     <a:lstStyle/>
                     <a:p>
-                      <a:endParaRPr lang="en-US" sz="1600" dirty="0">
+                      <a:r>
+                        <a:rPr lang="en-US" sz="1200" dirty="0">
+                          <a:latin typeface="Palatino Linotype" panose="02040502050505030304" pitchFamily="18" charset="0"/>
+                        </a:rPr>
+                        <a:t>9</a:t>
+                      </a:r>
+                    </a:p>
+                  </a:txBody>
+                  <a:tcPr/>
+                </a:tc>
+                <a:tc>
+                  <a:txBody>
+                    <a:bodyPr/>
+                    <a:lstStyle/>
+                    <a:p>
+                      <a:r>
+                        <a:rPr lang="en-US" sz="1200" dirty="0">
+                          <a:latin typeface="Palatino Linotype" panose="02040502050505030304" pitchFamily="18" charset="0"/>
+                        </a:rPr>
+                        <a:t>Electrical Connectors</a:t>
+                      </a:r>
+                    </a:p>
+                  </a:txBody>
+                  <a:tcPr/>
+                </a:tc>
+                <a:tc>
+                  <a:txBody>
+                    <a:bodyPr/>
+                    <a:lstStyle/>
+                    <a:p>
+                      <a:endParaRPr lang="en-US" sz="1200" dirty="0">
                         <a:latin typeface="Palatino Linotype" panose="02040502050505030304" pitchFamily="18" charset="0"/>
                       </a:endParaRPr>
                     </a:p>
@@ -12055,7 +12208,7 @@
                     <a:bodyPr/>
                     <a:lstStyle/>
                     <a:p>
-                      <a:endParaRPr lang="en-US" sz="1600" dirty="0">
+                      <a:endParaRPr lang="en-US" sz="1200" dirty="0">
                         <a:latin typeface="Palatino Linotype" panose="02040502050505030304" pitchFamily="18" charset="0"/>
                       </a:endParaRPr>
                     </a:p>
@@ -12067,7 +12220,7 @@
                     <a:bodyPr/>
                     <a:lstStyle/>
                     <a:p>
-                      <a:endParaRPr lang="en-US" sz="1600" dirty="0">
+                      <a:endParaRPr lang="en-US" sz="1200" dirty="0">
                         <a:latin typeface="Palatino Linotype" panose="02040502050505030304" pitchFamily="18" charset="0"/>
                       </a:endParaRPr>
                     </a:p>
@@ -12079,31 +12232,7 @@
                     <a:bodyPr/>
                     <a:lstStyle/>
                     <a:p>
-                      <a:endParaRPr lang="en-US" sz="1600" dirty="0">
-                        <a:latin typeface="Palatino Linotype" panose="02040502050505030304" pitchFamily="18" charset="0"/>
-                      </a:endParaRPr>
-                    </a:p>
-                  </a:txBody>
-                  <a:tcPr/>
-                </a:tc>
-                <a:tc>
-                  <a:txBody>
-                    <a:bodyPr/>
-                    <a:lstStyle/>
-                    <a:p>
-                      <a:endParaRPr lang="en-US" sz="1600" dirty="0">
-                        <a:latin typeface="Palatino Linotype" panose="02040502050505030304" pitchFamily="18" charset="0"/>
-                      </a:endParaRPr>
-                    </a:p>
-                  </a:txBody>
-                  <a:tcPr/>
-                </a:tc>
-                <a:tc>
-                  <a:txBody>
-                    <a:bodyPr/>
-                    <a:lstStyle/>
-                    <a:p>
-                      <a:endParaRPr lang="en-US" sz="1600" dirty="0">
+                      <a:endParaRPr lang="en-US" sz="1200" dirty="0">
                         <a:latin typeface="Palatino Linotype" panose="02040502050505030304" pitchFamily="18" charset="0"/>
                       </a:endParaRPr>
                     </a:p>
@@ -12122,7 +12251,37 @@
                     <a:bodyPr/>
                     <a:lstStyle/>
                     <a:p>
-                      <a:endParaRPr lang="en-US" sz="1600" dirty="0">
+                      <a:r>
+                        <a:rPr lang="en-US" sz="1200" dirty="0">
+                          <a:latin typeface="Palatino Linotype" panose="02040502050505030304" pitchFamily="18" charset="0"/>
+                        </a:rPr>
+                        <a:t>10</a:t>
+                      </a:r>
+                    </a:p>
+                  </a:txBody>
+                  <a:tcPr/>
+                </a:tc>
+                <a:tc>
+                  <a:txBody>
+                    <a:bodyPr/>
+                    <a:lstStyle/>
+                    <a:p>
+                      <a:r>
+                        <a:rPr lang="en-US" sz="1200" dirty="0">
+                          <a:latin typeface="Palatino Linotype" panose="02040502050505030304" pitchFamily="18" charset="0"/>
+                        </a:rPr>
+                        <a:t>Carbon Fiber Tubes</a:t>
+                      </a:r>
+                    </a:p>
+                  </a:txBody>
+                  <a:tcPr/>
+                </a:tc>
+                <a:tc>
+                  <a:txBody>
+                    <a:bodyPr/>
+                    <a:lstStyle/>
+                    <a:p>
+                      <a:endParaRPr lang="en-US" sz="1200" dirty="0">
                         <a:latin typeface="Palatino Linotype" panose="02040502050505030304" pitchFamily="18" charset="0"/>
                       </a:endParaRPr>
                     </a:p>
@@ -12134,7 +12293,7 @@
                     <a:bodyPr/>
                     <a:lstStyle/>
                     <a:p>
-                      <a:endParaRPr lang="en-US" sz="1600" dirty="0">
+                      <a:endParaRPr lang="en-US" sz="1200" dirty="0">
                         <a:latin typeface="Palatino Linotype" panose="02040502050505030304" pitchFamily="18" charset="0"/>
                       </a:endParaRPr>
                     </a:p>
@@ -12146,9 +12305,12 @@
                     <a:bodyPr/>
                     <a:lstStyle/>
                     <a:p>
-                      <a:endParaRPr lang="en-US" sz="1600" dirty="0">
-                        <a:latin typeface="Palatino Linotype" panose="02040502050505030304" pitchFamily="18" charset="0"/>
-                      </a:endParaRPr>
+                      <a:r>
+                        <a:rPr lang="en-US" sz="1200" dirty="0">
+                          <a:latin typeface="Palatino Linotype" panose="02040502050505030304" pitchFamily="18" charset="0"/>
+                        </a:rPr>
+                        <a:t>4</a:t>
+                      </a:r>
                     </a:p>
                   </a:txBody>
                   <a:tcPr/>
@@ -12158,31 +12320,7 @@
                     <a:bodyPr/>
                     <a:lstStyle/>
                     <a:p>
-                      <a:endParaRPr lang="en-US" sz="1600" dirty="0">
-                        <a:latin typeface="Palatino Linotype" panose="02040502050505030304" pitchFamily="18" charset="0"/>
-                      </a:endParaRPr>
-                    </a:p>
-                  </a:txBody>
-                  <a:tcPr/>
-                </a:tc>
-                <a:tc>
-                  <a:txBody>
-                    <a:bodyPr/>
-                    <a:lstStyle/>
-                    <a:p>
-                      <a:endParaRPr lang="en-US" sz="1600" dirty="0">
-                        <a:latin typeface="Palatino Linotype" panose="02040502050505030304" pitchFamily="18" charset="0"/>
-                      </a:endParaRPr>
-                    </a:p>
-                  </a:txBody>
-                  <a:tcPr/>
-                </a:tc>
-                <a:tc>
-                  <a:txBody>
-                    <a:bodyPr/>
-                    <a:lstStyle/>
-                    <a:p>
-                      <a:endParaRPr lang="en-US" sz="1600" dirty="0">
+                      <a:endParaRPr lang="en-US" sz="1200" dirty="0">
                         <a:latin typeface="Palatino Linotype" panose="02040502050505030304" pitchFamily="18" charset="0"/>
                       </a:endParaRPr>
                     </a:p>
@@ -12201,7 +12339,37 @@
                     <a:bodyPr/>
                     <a:lstStyle/>
                     <a:p>
-                      <a:endParaRPr lang="en-US" sz="1600" dirty="0">
+                      <a:r>
+                        <a:rPr lang="en-US" sz="1200" dirty="0">
+                          <a:latin typeface="Palatino Linotype" panose="02040502050505030304" pitchFamily="18" charset="0"/>
+                        </a:rPr>
+                        <a:t>11</a:t>
+                      </a:r>
+                    </a:p>
+                  </a:txBody>
+                  <a:tcPr/>
+                </a:tc>
+                <a:tc>
+                  <a:txBody>
+                    <a:bodyPr/>
+                    <a:lstStyle/>
+                    <a:p>
+                      <a:r>
+                        <a:rPr lang="en-US" sz="1200" dirty="0">
+                          <a:latin typeface="Palatino Linotype" panose="02040502050505030304" pitchFamily="18" charset="0"/>
+                        </a:rPr>
+                        <a:t>3D Printing Filament</a:t>
+                      </a:r>
+                    </a:p>
+                  </a:txBody>
+                  <a:tcPr/>
+                </a:tc>
+                <a:tc>
+                  <a:txBody>
+                    <a:bodyPr/>
+                    <a:lstStyle/>
+                    <a:p>
+                      <a:endParaRPr lang="en-US" sz="1200" dirty="0">
                         <a:latin typeface="Palatino Linotype" panose="02040502050505030304" pitchFamily="18" charset="0"/>
                       </a:endParaRPr>
                     </a:p>
@@ -12213,7 +12381,7 @@
                     <a:bodyPr/>
                     <a:lstStyle/>
                     <a:p>
-                      <a:endParaRPr lang="en-US" sz="1600" dirty="0">
+                      <a:endParaRPr lang="en-US" sz="1200" dirty="0">
                         <a:latin typeface="Palatino Linotype" panose="02040502050505030304" pitchFamily="18" charset="0"/>
                       </a:endParaRPr>
                     </a:p>
@@ -12225,7 +12393,7 @@
                     <a:bodyPr/>
                     <a:lstStyle/>
                     <a:p>
-                      <a:endParaRPr lang="en-US" sz="1600" dirty="0">
+                      <a:endParaRPr lang="en-US" sz="1200" dirty="0">
                         <a:latin typeface="Palatino Linotype" panose="02040502050505030304" pitchFamily="18" charset="0"/>
                       </a:endParaRPr>
                     </a:p>
@@ -12237,31 +12405,7 @@
                     <a:bodyPr/>
                     <a:lstStyle/>
                     <a:p>
-                      <a:endParaRPr lang="en-US" sz="1600" dirty="0">
-                        <a:latin typeface="Palatino Linotype" panose="02040502050505030304" pitchFamily="18" charset="0"/>
-                      </a:endParaRPr>
-                    </a:p>
-                  </a:txBody>
-                  <a:tcPr/>
-                </a:tc>
-                <a:tc>
-                  <a:txBody>
-                    <a:bodyPr/>
-                    <a:lstStyle/>
-                    <a:p>
-                      <a:endParaRPr lang="en-US" sz="1600" dirty="0">
-                        <a:latin typeface="Palatino Linotype" panose="02040502050505030304" pitchFamily="18" charset="0"/>
-                      </a:endParaRPr>
-                    </a:p>
-                  </a:txBody>
-                  <a:tcPr/>
-                </a:tc>
-                <a:tc>
-                  <a:txBody>
-                    <a:bodyPr/>
-                    <a:lstStyle/>
-                    <a:p>
-                      <a:endParaRPr lang="en-US" sz="1600" dirty="0">
+                      <a:endParaRPr lang="en-US" sz="1200" dirty="0">
                         <a:latin typeface="Palatino Linotype" panose="02040502050505030304" pitchFamily="18" charset="0"/>
                       </a:endParaRPr>
                     </a:p>
@@ -12432,7 +12576,7 @@
           <a:p>
             <a:fld id="{C178DC9A-ED7C-4572-B512-0DF537EDF118}" type="datetime1">
               <a:rPr lang="en-US" smtClean="0"/>
-              <a:t>1/4/2026</a:t>
+              <a:t>1/13/2026</a:t>
             </a:fld>
             <a:endParaRPr lang="en-US"/>
           </a:p>
@@ -12502,6 +12646,208 @@
           </a:p>
         </p:txBody>
       </p:sp>
+      <p:graphicFrame>
+        <p:nvGraphicFramePr>
+          <p:cNvPr id="2" name="Table 1">
+            <a:extLst>
+              <a:ext uri="{FF2B5EF4-FFF2-40B4-BE49-F238E27FC236}">
+                <a16:creationId xmlns:a16="http://schemas.microsoft.com/office/drawing/2014/main" id="{C9EE62EB-44D9-CB2C-7CED-1B3F4876A363}"/>
+              </a:ext>
+            </a:extLst>
+          </p:cNvPr>
+          <p:cNvGraphicFramePr>
+            <a:graphicFrameLocks noGrp="1"/>
+          </p:cNvGraphicFramePr>
+          <p:nvPr>
+            <p:extLst>
+              <p:ext uri="{D42A27DB-BD31-4B8C-83A1-F6EECF244321}">
+                <p14:modId xmlns:p14="http://schemas.microsoft.com/office/powerpoint/2010/main" val="2487184030"/>
+              </p:ext>
+            </p:extLst>
+          </p:nvPr>
+        </p:nvGraphicFramePr>
+        <p:xfrm>
+          <a:off x="628650" y="2143448"/>
+          <a:ext cx="6061400" cy="3190680"/>
+        </p:xfrm>
+        <a:graphic>
+          <a:graphicData uri="http://schemas.openxmlformats.org/drawingml/2006/table">
+            <a:tbl>
+              <a:tblPr firstRow="1" bandRow="1">
+                <a:tableStyleId>{5C22544A-7EE6-4342-B048-85BDC9FD1C3A}</a:tableStyleId>
+              </a:tblPr>
+              <a:tblGrid>
+                <a:gridCol w="3030700">
+                  <a:extLst>
+                    <a:ext uri="{9D8B030D-6E8A-4147-A177-3AD203B41FA5}">
+                      <a16:colId xmlns:a16="http://schemas.microsoft.com/office/drawing/2014/main" val="916169825"/>
+                    </a:ext>
+                  </a:extLst>
+                </a:gridCol>
+                <a:gridCol w="3030700">
+                  <a:extLst>
+                    <a:ext uri="{9D8B030D-6E8A-4147-A177-3AD203B41FA5}">
+                      <a16:colId xmlns:a16="http://schemas.microsoft.com/office/drawing/2014/main" val="797345407"/>
+                    </a:ext>
+                  </a:extLst>
+                </a:gridCol>
+              </a:tblGrid>
+              <a:tr h="758760">
+                <a:tc>
+                  <a:txBody>
+                    <a:bodyPr/>
+                    <a:lstStyle/>
+                    <a:p>
+                      <a:r>
+                        <a:rPr lang="en-GB" dirty="0"/>
+                        <a:t>Member</a:t>
+                      </a:r>
+                      <a:endParaRPr lang="en-IN" dirty="0"/>
+                    </a:p>
+                  </a:txBody>
+                  <a:tcPr/>
+                </a:tc>
+                <a:tc>
+                  <a:txBody>
+                    <a:bodyPr/>
+                    <a:lstStyle/>
+                    <a:p>
+                      <a:r>
+                        <a:rPr lang="en-GB" dirty="0"/>
+                        <a:t>Tasks</a:t>
+                      </a:r>
+                      <a:endParaRPr lang="en-IN" dirty="0"/>
+                    </a:p>
+                  </a:txBody>
+                  <a:tcPr/>
+                </a:tc>
+                <a:extLst>
+                  <a:ext uri="{0D108BD9-81ED-4DB2-BD59-A6C34878D82A}">
+                    <a16:rowId xmlns:a16="http://schemas.microsoft.com/office/drawing/2014/main" val="3175641406"/>
+                  </a:ext>
+                </a:extLst>
+              </a:tr>
+              <a:tr h="758760">
+                <a:tc>
+                  <a:txBody>
+                    <a:bodyPr/>
+                    <a:lstStyle/>
+                    <a:p>
+                      <a:r>
+                        <a:rPr lang="en-GB" dirty="0"/>
+                        <a:t>Lalithesh K</a:t>
+                      </a:r>
+                      <a:endParaRPr lang="en-IN" dirty="0"/>
+                    </a:p>
+                  </a:txBody>
+                  <a:tcPr/>
+                </a:tc>
+                <a:tc>
+                  <a:txBody>
+                    <a:bodyPr/>
+                    <a:lstStyle/>
+                    <a:p>
+                      <a:r>
+                        <a:rPr lang="en-GB" dirty="0"/>
+                        <a:t>Map Creation, Map Splitting, Map Switching</a:t>
+                      </a:r>
+                      <a:endParaRPr lang="en-IN" dirty="0"/>
+                    </a:p>
+                  </a:txBody>
+                  <a:tcPr/>
+                </a:tc>
+                <a:extLst>
+                  <a:ext uri="{0D108BD9-81ED-4DB2-BD59-A6C34878D82A}">
+                    <a16:rowId xmlns:a16="http://schemas.microsoft.com/office/drawing/2014/main" val="2845411021"/>
+                  </a:ext>
+                </a:extLst>
+              </a:tr>
+              <a:tr h="758760">
+                <a:tc>
+                  <a:txBody>
+                    <a:bodyPr/>
+                    <a:lstStyle/>
+                    <a:p>
+                      <a:r>
+                        <a:rPr lang="en-GB" dirty="0"/>
+                        <a:t>Tejas M K</a:t>
+                      </a:r>
+                      <a:endParaRPr lang="en-IN" dirty="0"/>
+                    </a:p>
+                  </a:txBody>
+                  <a:tcPr/>
+                </a:tc>
+                <a:tc>
+                  <a:txBody>
+                    <a:bodyPr/>
+                    <a:lstStyle/>
+                    <a:p>
+                      <a:r>
+                        <a:rPr lang="en-GB" dirty="0" err="1"/>
+                        <a:t>Aruco</a:t>
+                      </a:r>
+                      <a:r>
+                        <a:rPr lang="en-GB" dirty="0"/>
+                        <a:t> Localisation, </a:t>
+                      </a:r>
+                      <a:r>
+                        <a:rPr lang="en-GB" dirty="0" err="1"/>
+                        <a:t>Aruco</a:t>
+                      </a:r>
+                      <a:r>
+                        <a:rPr lang="en-GB" dirty="0"/>
+                        <a:t> Evaluation, PCB Layout, Jetson Setup</a:t>
+                      </a:r>
+                      <a:endParaRPr lang="en-IN" dirty="0"/>
+                    </a:p>
+                  </a:txBody>
+                  <a:tcPr/>
+                </a:tc>
+                <a:extLst>
+                  <a:ext uri="{0D108BD9-81ED-4DB2-BD59-A6C34878D82A}">
+                    <a16:rowId xmlns:a16="http://schemas.microsoft.com/office/drawing/2014/main" val="439014213"/>
+                  </a:ext>
+                </a:extLst>
+              </a:tr>
+              <a:tr h="758760">
+                <a:tc>
+                  <a:txBody>
+                    <a:bodyPr/>
+                    <a:lstStyle/>
+                    <a:p>
+                      <a:r>
+                        <a:rPr lang="en-GB" dirty="0"/>
+                        <a:t>Preetham M</a:t>
+                      </a:r>
+                      <a:endParaRPr lang="en-IN" dirty="0"/>
+                    </a:p>
+                  </a:txBody>
+                  <a:tcPr/>
+                </a:tc>
+                <a:tc>
+                  <a:txBody>
+                    <a:bodyPr/>
+                    <a:lstStyle/>
+                    <a:p>
+                      <a:r>
+                        <a:rPr lang="en-GB" dirty="0"/>
+                        <a:t>CAD, Fabrication, Circuit Schematic</a:t>
+                      </a:r>
+                      <a:endParaRPr lang="en-IN" dirty="0"/>
+                    </a:p>
+                  </a:txBody>
+                  <a:tcPr/>
+                </a:tc>
+                <a:extLst>
+                  <a:ext uri="{0D108BD9-81ED-4DB2-BD59-A6C34878D82A}">
+                    <a16:rowId xmlns:a16="http://schemas.microsoft.com/office/drawing/2014/main" val="727234344"/>
+                  </a:ext>
+                </a:extLst>
+              </a:tr>
+            </a:tbl>
+          </a:graphicData>
+        </a:graphic>
+      </p:graphicFrame>
     </p:spTree>
     <p:extLst>
       <p:ext uri="{BB962C8B-B14F-4D97-AF65-F5344CB8AC3E}">
@@ -12642,7 +12988,7 @@
           <a:p>
             <a:fld id="{7DB312D3-1830-483B-B03D-A6732834DD6F}" type="datetime1">
               <a:rPr lang="en-US" smtClean="0"/>
-              <a:t>1/4/2026</a:t>
+              <a:t>1/13/2026</a:t>
             </a:fld>
             <a:endParaRPr lang="en-US"/>
           </a:p>
